--- a/Documentation/presentations/final_presentation_2016_11_15.pptx
+++ b/Documentation/presentations/final_presentation_2016_11_15.pptx
@@ -1,6 +1,6 @@
 
 <file path=ppt/presentation.xml><?xml version="1.0" encoding="utf-8"?>
-<p:presentation xmlns:a="http://schemas.openxmlformats.org/drawingml/2006/main" xmlns:r="http://schemas.openxmlformats.org/officeDocument/2006/relationships" xmlns:p="http://schemas.openxmlformats.org/presentationml/2006/main" autoCompressPictures="0">
+<p:presentation xmlns:a="http://schemas.openxmlformats.org/drawingml/2006/main" xmlns:r="http://schemas.openxmlformats.org/officeDocument/2006/relationships" xmlns:p="http://schemas.openxmlformats.org/presentationml/2006/main" saveSubsetFonts="1" autoCompressPictures="0">
   <p:sldMasterIdLst>
     <p:sldMasterId id="2147483648" r:id="rId1"/>
   </p:sldMasterIdLst>
@@ -122,6 +122,22 @@
       </a:defRPr>
     </a:lvl9pPr>
   </p:defaultTextStyle>
+  <p:extLst>
+    <p:ext uri="{EFAFB233-063F-42B5-8137-9DF3F51BA10A}">
+      <p15:sldGuideLst xmlns:p15="http://schemas.microsoft.com/office/powerpoint/2012/main">
+        <p15:guide id="1" orient="horz" pos="2160">
+          <p15:clr>
+            <a:srgbClr val="A4A3A4"/>
+          </p15:clr>
+        </p15:guide>
+        <p15:guide id="2" pos="3840">
+          <p15:clr>
+            <a:srgbClr val="A4A3A4"/>
+          </p15:clr>
+        </p15:guide>
+      </p15:sldGuideLst>
+    </p:ext>
+  </p:extLst>
 </p:presentation>
 </file>
 
@@ -1337,7 +1353,7 @@
             <a:fld id="{9334D819-9F07-4261-B09B-9E467E5D9002}" type="datetimeFigureOut">
               <a:rPr lang="en-US" dirty="0"/>
               <a:pPr/>
-              <a:t>15.11.16</a:t>
+              <a:t>11/15/16</a:t>
             </a:fld>
             <a:endParaRPr lang="en-US" dirty="0"/>
           </a:p>
@@ -1571,7 +1587,7 @@
           <a:p>
             <a:fld id="{9334D819-9F07-4261-B09B-9E467E5D9002}" type="datetimeFigureOut">
               <a:rPr lang="en-US" dirty="0"/>
-              <a:t>15.11.16</a:t>
+              <a:t>11/15/16</a:t>
             </a:fld>
             <a:endParaRPr lang="en-US" dirty="0"/>
           </a:p>
@@ -1746,7 +1762,7 @@
           <a:p>
             <a:fld id="{9334D819-9F07-4261-B09B-9E467E5D9002}" type="datetimeFigureOut">
               <a:rPr lang="en-US" dirty="0"/>
-              <a:t>15.11.16</a:t>
+              <a:t>11/15/16</a:t>
             </a:fld>
             <a:endParaRPr lang="en-US" dirty="0"/>
           </a:p>
@@ -1911,7 +1927,7 @@
           <a:p>
             <a:fld id="{9334D819-9F07-4261-B09B-9E467E5D9002}" type="datetimeFigureOut">
               <a:rPr lang="en-US" dirty="0"/>
-              <a:t>15.11.16</a:t>
+              <a:t>11/15/16</a:t>
             </a:fld>
             <a:endParaRPr lang="en-US" dirty="0"/>
           </a:p>
@@ -2180,7 +2196,7 @@
             <a:fld id="{9334D819-9F07-4261-B09B-9E467E5D9002}" type="datetimeFigureOut">
               <a:rPr lang="en-US" dirty="0"/>
               <a:pPr/>
-              <a:t>15.11.16</a:t>
+              <a:t>11/15/16</a:t>
             </a:fld>
             <a:endParaRPr lang="en-US" dirty="0"/>
           </a:p>
@@ -3377,7 +3393,7 @@
           <a:p>
             <a:fld id="{9334D819-9F07-4261-B09B-9E467E5D9002}" type="datetimeFigureOut">
               <a:rPr lang="en-US" dirty="0"/>
-              <a:t>15.11.16</a:t>
+              <a:t>11/15/16</a:t>
             </a:fld>
             <a:endParaRPr lang="en-US" dirty="0"/>
           </a:p>
@@ -3432,7 +3448,7 @@
   </p:clrMapOvr>
   <p:extLst mod="1">
     <p:ext uri="{DCECCB84-F9BA-43D5-87BE-67443E8EF086}">
-      <p15:sldGuideLst xmlns="" xmlns:p15="http://schemas.microsoft.com/office/powerpoint/2012/main"/>
+      <p15:sldGuideLst xmlns:p15="http://schemas.microsoft.com/office/powerpoint/2012/main"/>
     </p:ext>
   </p:extLst>
 </p:sldLayout>
@@ -3762,7 +3778,7 @@
           <a:p>
             <a:fld id="{9334D819-9F07-4261-B09B-9E467E5D9002}" type="datetimeFigureOut">
               <a:rPr lang="en-US" dirty="0"/>
-              <a:t>15.11.16</a:t>
+              <a:t>11/15/16</a:t>
             </a:fld>
             <a:endParaRPr lang="en-US" dirty="0"/>
           </a:p>
@@ -3817,7 +3833,7 @@
   </p:clrMapOvr>
   <p:extLst mod="1">
     <p:ext uri="{DCECCB84-F9BA-43D5-87BE-67443E8EF086}">
-      <p15:sldGuideLst xmlns="" xmlns:p15="http://schemas.microsoft.com/office/powerpoint/2012/main"/>
+      <p15:sldGuideLst xmlns:p15="http://schemas.microsoft.com/office/powerpoint/2012/main"/>
     </p:ext>
   </p:extLst>
 </p:sldLayout>
@@ -3880,7 +3896,7 @@
           <a:p>
             <a:fld id="{9334D819-9F07-4261-B09B-9E467E5D9002}" type="datetimeFigureOut">
               <a:rPr lang="en-US" dirty="0"/>
-              <a:t>15.11.16</a:t>
+              <a:t>11/15/16</a:t>
             </a:fld>
             <a:endParaRPr lang="en-US" dirty="0"/>
           </a:p>
@@ -3970,7 +3986,7 @@
           <a:p>
             <a:fld id="{9334D819-9F07-4261-B09B-9E467E5D9002}" type="datetimeFigureOut">
               <a:rPr lang="en-US" dirty="0"/>
-              <a:t>15.11.16</a:t>
+              <a:t>11/15/16</a:t>
             </a:fld>
             <a:endParaRPr lang="en-US" dirty="0"/>
           </a:p>
@@ -4728,7 +4744,7 @@
           <a:p>
             <a:fld id="{9334D819-9F07-4261-B09B-9E467E5D9002}" type="datetimeFigureOut">
               <a:rPr lang="en-US" dirty="0"/>
-              <a:t>15.11.16</a:t>
+              <a:t>11/15/16</a:t>
             </a:fld>
             <a:endParaRPr lang="en-US" dirty="0"/>
           </a:p>
@@ -4831,7 +4847,7 @@
   </p:clrMapOvr>
   <p:extLst mod="1">
     <p:ext uri="{DCECCB84-F9BA-43D5-87BE-67443E8EF086}">
-      <p15:sldGuideLst xmlns="" xmlns:p15="http://schemas.microsoft.com/office/powerpoint/2012/main">
+      <p15:sldGuideLst xmlns:p15="http://schemas.microsoft.com/office/powerpoint/2012/main">
         <p15:guide id="1" orient="horz" pos="696">
           <p15:clr>
             <a:srgbClr val="FBAE40"/>
@@ -5563,7 +5579,7 @@
           <a:p>
             <a:fld id="{9334D819-9F07-4261-B09B-9E467E5D9002}" type="datetimeFigureOut">
               <a:rPr lang="en-US" dirty="0"/>
-              <a:t>15.11.16</a:t>
+              <a:t>11/15/16</a:t>
             </a:fld>
             <a:endParaRPr lang="en-US" dirty="0"/>
           </a:p>
@@ -5786,7 +5802,7 @@
             <a:fld id="{9334D819-9F07-4261-B09B-9E467E5D9002}" type="datetimeFigureOut">
               <a:rPr lang="en-US" dirty="0"/>
               <a:pPr/>
-              <a:t>15.11.16</a:t>
+              <a:t>11/15/16</a:t>
             </a:fld>
             <a:endParaRPr lang="en-US" dirty="0"/>
           </a:p>
@@ -6727,7 +6743,7 @@
   </p:txStyles>
   <p:extLst mod="1">
     <p:ext uri="{27BBF7A9-308A-43DC-89C8-2F10F3537804}">
-      <p15:sldGuideLst xmlns="" xmlns:p15="http://schemas.microsoft.com/office/powerpoint/2012/main">
+      <p15:sldGuideLst xmlns:p15="http://schemas.microsoft.com/office/powerpoint/2012/main">
         <p15:guide id="1" pos="792">
           <p15:clr>
             <a:srgbClr val="F26B43"/>
@@ -8511,7 +8527,7 @@
   <p:timing>
     <p:tnLst>
       <p:par>
-        <p:cTn xmlns:p14="http://schemas.microsoft.com/office/powerpoint/2010/main" id="1" dur="indefinite" restart="never" nodeType="tmRoot">
+        <p:cTn id="1" dur="indefinite" restart="never" nodeType="tmRoot">
           <p:childTnLst>
             <p:seq concurrent="1" nextAc="seek">
               <p:cTn id="2" dur="indefinite" nodeType="mainSeq">
@@ -9283,16 +9299,12 @@
               <a:t>Node</a:t>
             </a:r>
             <a:r>
-              <a:rPr lang="de-DE" dirty="0" smtClean="0"/>
+              <a:rPr lang="de-DE" smtClean="0"/>
               <a:t>-Version </a:t>
             </a:r>
             <a:r>
-              <a:rPr lang="de-DE" dirty="0" smtClean="0"/>
-              <a:t>7.1 -- </a:t>
-            </a:r>
-            <a:r>
-              <a:rPr lang="de-DE" dirty="0" err="1" smtClean="0"/>
-              <a:t>latest</a:t>
+              <a:rPr lang="de-DE" smtClean="0"/>
+              <a:t>7.1</a:t>
             </a:r>
             <a:endParaRPr lang="de-DE" dirty="0" smtClean="0"/>
           </a:p>
@@ -13379,7 +13391,7 @@
   <p:timing>
     <p:tnLst>
       <p:par>
-        <p:cTn xmlns:p14="http://schemas.microsoft.com/office/powerpoint/2010/main" id="1" dur="indefinite" restart="never" nodeType="tmRoot"/>
+        <p:cTn id="1" dur="indefinite" restart="never" nodeType="tmRoot"/>
       </p:par>
     </p:tnLst>
   </p:timing>
@@ -13465,7 +13477,7 @@
           </a:ln>
           <a:extLst>
             <a:ext uri="{53640926-AAD7-44d8-BBD7-CCE9431645EC}">
-              <a14:shadowObscured xmlns:a14="http://schemas.microsoft.com/office/drawing/2010/main"/>
+              <a14:shadowObscured xmlns:a14="http://schemas.microsoft.com/office/drawing/2010/main" xmlns=""/>
             </a:ext>
           </a:extLst>
         </p:spPr>
@@ -13511,13 +13523,13 @@
       <p:transition spd="slow" p14:dur="2000"/>
     </mc:Choice>
     <mc:Fallback>
-      <p:transition xmlns:p14="http://schemas.microsoft.com/office/powerpoint/2010/main" spd="slow"/>
+      <p:transition spd="slow"/>
     </mc:Fallback>
   </mc:AlternateContent>
   <p:timing>
     <p:tnLst>
       <p:par>
-        <p:cTn xmlns:p14="http://schemas.microsoft.com/office/powerpoint/2010/main" id="1" dur="indefinite" restart="never" nodeType="tmRoot"/>
+        <p:cTn id="1" dur="indefinite" restart="never" nodeType="tmRoot"/>
       </p:par>
     </p:tnLst>
   </p:timing>
@@ -13611,7 +13623,7 @@
           </a:ln>
           <a:extLst>
             <a:ext uri="{53640926-AAD7-44d8-BBD7-CCE9431645EC}">
-              <a14:shadowObscured xmlns:a14="http://schemas.microsoft.com/office/drawing/2010/main"/>
+              <a14:shadowObscured xmlns:a14="http://schemas.microsoft.com/office/drawing/2010/main" xmlns=""/>
             </a:ext>
           </a:extLst>
         </p:spPr>
@@ -13657,7 +13669,7 @@
       <p:transition spd="slow" p14:dur="2000"/>
     </mc:Choice>
     <mc:Fallback>
-      <p:transition xmlns:p14="http://schemas.microsoft.com/office/powerpoint/2010/main" spd="slow"/>
+      <p:transition spd="slow"/>
     </mc:Fallback>
   </mc:AlternateContent>
 </p:sld>
@@ -13742,7 +13754,7 @@
           </a:ln>
           <a:extLst>
             <a:ext uri="{53640926-AAD7-44d8-BBD7-CCE9431645EC}">
-              <a14:shadowObscured xmlns:a14="http://schemas.microsoft.com/office/drawing/2010/main"/>
+              <a14:shadowObscured xmlns:a14="http://schemas.microsoft.com/office/drawing/2010/main" xmlns=""/>
             </a:ext>
           </a:extLst>
         </p:spPr>
@@ -13788,7 +13800,7 @@
       <p:transition spd="slow" p14:dur="2000"/>
     </mc:Choice>
     <mc:Fallback>
-      <p:transition xmlns:p14="http://schemas.microsoft.com/office/powerpoint/2010/main" spd="slow"/>
+      <p:transition spd="slow"/>
     </mc:Fallback>
   </mc:AlternateContent>
 </p:sld>
@@ -13865,7 +13877,7 @@
           </a:ln>
           <a:extLst>
             <a:ext uri="{53640926-AAD7-44d8-BBD7-CCE9431645EC}">
-              <a14:shadowObscured xmlns:a14="http://schemas.microsoft.com/office/drawing/2010/main"/>
+              <a14:shadowObscured xmlns:a14="http://schemas.microsoft.com/office/drawing/2010/main" xmlns=""/>
             </a:ext>
           </a:extLst>
         </p:spPr>
@@ -13911,7 +13923,7 @@
       <p:transition spd="slow" p14:dur="2000"/>
     </mc:Choice>
     <mc:Fallback>
-      <p:transition xmlns:p14="http://schemas.microsoft.com/office/powerpoint/2010/main" spd="slow"/>
+      <p:transition spd="slow"/>
     </mc:Fallback>
   </mc:AlternateContent>
 </p:sld>
@@ -13988,7 +14000,7 @@
           </a:ln>
           <a:extLst>
             <a:ext uri="{53640926-AAD7-44d8-BBD7-CCE9431645EC}">
-              <a14:shadowObscured xmlns:a14="http://schemas.microsoft.com/office/drawing/2010/main"/>
+              <a14:shadowObscured xmlns:a14="http://schemas.microsoft.com/office/drawing/2010/main" xmlns=""/>
             </a:ext>
           </a:extLst>
         </p:spPr>
@@ -14034,7 +14046,7 @@
       <p:transition spd="slow" p14:dur="2000"/>
     </mc:Choice>
     <mc:Fallback>
-      <p:transition xmlns:p14="http://schemas.microsoft.com/office/powerpoint/2010/main" spd="slow"/>
+      <p:transition spd="slow"/>
     </mc:Fallback>
   </mc:AlternateContent>
 </p:sld>
@@ -14311,7 +14323,17 @@
           <a:p>
             <a:r>
               <a:rPr lang="de-DE" dirty="0" smtClean="0"/>
-              <a:t>Senden der Analyseergebnisse über Kafka an UI</a:t>
+              <a:t>Senden der Analyseergebnisse über Kafka an </a:t>
+            </a:r>
+            <a:r>
+              <a:rPr lang="de-DE" dirty="0" smtClean="0"/>
+              <a:t>UI</a:t>
+            </a:r>
+          </a:p>
+          <a:p>
+            <a:r>
+              <a:rPr lang="de-DE" dirty="0" smtClean="0"/>
+              <a:t>Parsen der JSON Objekte mit Json4s</a:t>
             </a:r>
             <a:endParaRPr lang="de-DE" dirty="0"/>
           </a:p>
@@ -14608,7 +14630,7 @@
   <a:extraClrSchemeLst/>
   <a:extLst>
     <a:ext uri="{05A4C25C-085E-4340-85A3-A5531E510DB2}">
-      <thm15:themeFamily xmlns="" xmlns:thm15="http://schemas.microsoft.com/office/thememl/2012/main" name="Badge" id="{71A07785-5930-41D4-9A83-E23602B48E98}" vid="{D71F8F05-6246-47AF-9E68-E57F6C93F792}"/>
+      <thm15:themeFamily xmlns:thm15="http://schemas.microsoft.com/office/thememl/2012/main" name="Badge" id="{71A07785-5930-41D4-9A83-E23602B48E98}" vid="{D71F8F05-6246-47AF-9E68-E57F6C93F792}"/>
     </a:ext>
   </a:extLst>
 </a:theme>
